--- a/trunk/resources/Chapter-27-Template-Method/MoreDiagrams.pptx
+++ b/trunk/resources/Chapter-27-Template-Method/MoreDiagrams.pptx
@@ -2929,12 +2929,20 @@
       </dgm:t>
     </dgm:pt>
     <dgm:pt modelId="{E9685089-6353-4E74-AEEE-ACCDC57D9408}">
-      <dgm:prSet phldrT="[Text]" phldr="1"/>
+      <dgm:prSet phldrT="[Text]"/>
       <dgm:spPr/>
       <dgm:t>
         <a:bodyPr/>
         <a:lstStyle/>
         <a:p>
+          <a:r>
+            <a:rPr lang="bg-BG" dirty="0" smtClean="0"/>
+            <a:t>peelTheStrokesOff</a:t>
+          </a:r>
+          <a:r>
+            <a:rPr lang="en-US" dirty="0" smtClean="0"/>
+            <a:t>()</a:t>
+          </a:r>
           <a:endParaRPr lang="fr-FR" dirty="0"/>
         </a:p>
       </dgm:t>
@@ -3081,6 +3089,13 @@
         </dgm:presLayoutVars>
       </dgm:prSet>
       <dgm:spPr/>
+      <dgm:t>
+        <a:bodyPr/>
+        <a:lstStyle/>
+        <a:p>
+          <a:endParaRPr lang="fr-FR"/>
+        </a:p>
+      </dgm:t>
     </dgm:pt>
     <dgm:pt modelId="{1AC05D62-5A61-4884-BCC8-3285B244B5C3}" type="pres">
       <dgm:prSet presAssocID="{65D04BD7-C47A-4D30-B2E5-0199AEB07252}" presName="boxAndChildren" presStyleCnt="0"/>
@@ -3198,6 +3213,13 @@
         </dgm:presLayoutVars>
       </dgm:prSet>
       <dgm:spPr/>
+      <dgm:t>
+        <a:bodyPr/>
+        <a:lstStyle/>
+        <a:p>
+          <a:endParaRPr lang="fr-FR"/>
+        </a:p>
+      </dgm:t>
     </dgm:pt>
     <dgm:pt modelId="{DA49FA14-8A32-4187-8EA0-4A02FA6535A8}" type="pres">
       <dgm:prSet presAssocID="{FDA13765-226E-492B-8EA3-ADAB9ED27A22}" presName="sp" presStyleCnt="0"/>
@@ -3255,6 +3277,13 @@
         </dgm:presLayoutVars>
       </dgm:prSet>
       <dgm:spPr/>
+      <dgm:t>
+        <a:bodyPr/>
+        <a:lstStyle/>
+        <a:p>
+          <a:endParaRPr lang="fr-FR"/>
+        </a:p>
+      </dgm:t>
     </dgm:pt>
     <dgm:pt modelId="{D6B3D63D-8E2D-415D-8D9B-9D2F11BCBCB4}" type="pres">
       <dgm:prSet presAssocID="{1DABBF0A-9A25-4A5E-9E41-7852FEBF4A83}" presName="sp" presStyleCnt="0"/>
@@ -3863,6 +3892,13 @@
         </dgm:presLayoutVars>
       </dgm:prSet>
       <dgm:spPr/>
+      <dgm:t>
+        <a:bodyPr/>
+        <a:lstStyle/>
+        <a:p>
+          <a:endParaRPr lang="fr-FR"/>
+        </a:p>
+      </dgm:t>
     </dgm:pt>
     <dgm:pt modelId="{1AC05D62-5A61-4884-BCC8-3285B244B5C3}" type="pres">
       <dgm:prSet presAssocID="{65D04BD7-C47A-4D30-B2E5-0199AEB07252}" presName="boxAndChildren" presStyleCnt="0"/>
@@ -3980,6 +4016,13 @@
         </dgm:presLayoutVars>
       </dgm:prSet>
       <dgm:spPr/>
+      <dgm:t>
+        <a:bodyPr/>
+        <a:lstStyle/>
+        <a:p>
+          <a:endParaRPr lang="fr-FR"/>
+        </a:p>
+      </dgm:t>
     </dgm:pt>
     <dgm:pt modelId="{DA49FA14-8A32-4187-8EA0-4A02FA6535A8}" type="pres">
       <dgm:prSet presAssocID="{FDA13765-226E-492B-8EA3-ADAB9ED27A22}" presName="sp" presStyleCnt="0"/>
@@ -4037,6 +4080,13 @@
         </dgm:presLayoutVars>
       </dgm:prSet>
       <dgm:spPr/>
+      <dgm:t>
+        <a:bodyPr/>
+        <a:lstStyle/>
+        <a:p>
+          <a:endParaRPr lang="fr-FR"/>
+        </a:p>
+      </dgm:t>
     </dgm:pt>
     <dgm:pt modelId="{D6B3D63D-8E2D-415D-8D9B-9D2F11BCBCB4}" type="pres">
       <dgm:prSet presAssocID="{1DABBF0A-9A25-4A5E-9E41-7852FEBF4A83}" presName="sp" presStyleCnt="0"/>
@@ -4123,8 +4173,8 @@
     <dgm:cxn modelId="{4836ECDF-BD1E-4664-8375-A94A5374F1EA}" srcId="{A6908A3D-5A80-4981-B878-1A4072D25C24}" destId="{7A6FC4DE-2DF5-4A6C-9FA6-92D95A082E2A}" srcOrd="1" destOrd="0" parTransId="{09830BF6-0592-4AC4-BC9E-FBB8D9C4BCC5}" sibTransId="{8D8B875D-C0AD-4FC4-BE9E-8962FC65529D}"/>
     <dgm:cxn modelId="{BBB9C5DA-3903-447C-9BB2-AE13097301E8}" type="presOf" srcId="{CF464A9A-C4AF-4BD1-9CC8-6A4E352F3CB9}" destId="{7A66DF5C-7D94-4173-8882-6C3C4176DFD1}" srcOrd="0" destOrd="0" presId="urn:microsoft.com/office/officeart/2005/8/layout/process4"/>
     <dgm:cxn modelId="{F6069DA8-3B0A-483E-B5CF-9F7F0AD20DBF}" srcId="{65D04BD7-C47A-4D30-B2E5-0199AEB07252}" destId="{51F58511-EBFB-4F1B-9D61-F5B547581148}" srcOrd="1" destOrd="0" parTransId="{AD910942-5645-449B-8BCF-CF64FCA95F86}" sibTransId="{1BC0366A-8A06-40AF-A083-6FA2877BEC9A}"/>
+    <dgm:cxn modelId="{18E3ACF5-872A-48F2-B8CC-1C5C3D2F51A0}" type="presOf" srcId="{5497A0BC-4D85-482A-B991-DA9AFB297D39}" destId="{234F6FB0-E2C5-4B80-81F8-82075261D666}" srcOrd="0" destOrd="0" presId="urn:microsoft.com/office/officeart/2005/8/layout/process4"/>
     <dgm:cxn modelId="{ADAF57F3-EF87-49AE-8745-E867F2723446}" type="presOf" srcId="{A6908A3D-5A80-4981-B878-1A4072D25C24}" destId="{15A29384-D199-42F4-9657-6BF3E990FB6A}" srcOrd="1" destOrd="0" presId="urn:microsoft.com/office/officeart/2005/8/layout/process4"/>
-    <dgm:cxn modelId="{18E3ACF5-872A-48F2-B8CC-1C5C3D2F51A0}" type="presOf" srcId="{5497A0BC-4D85-482A-B991-DA9AFB297D39}" destId="{234F6FB0-E2C5-4B80-81F8-82075261D666}" srcOrd="0" destOrd="0" presId="urn:microsoft.com/office/officeart/2005/8/layout/process4"/>
     <dgm:cxn modelId="{35589BF2-CBEB-4714-907E-FC6CA0168CF9}" srcId="{BA77F5E8-966C-4BA7-A660-6A4C616EC843}" destId="{26A3EA2D-CD69-48C9-96B1-7997E734D3AB}" srcOrd="1" destOrd="0" parTransId="{DC5CF673-FC04-420B-9883-0A894F6937BE}" sibTransId="{FDA13765-226E-492B-8EA3-ADAB9ED27A22}"/>
     <dgm:cxn modelId="{6C56CB2D-9063-42AD-8DCE-DB27807273DC}" srcId="{A6908A3D-5A80-4981-B878-1A4072D25C24}" destId="{CF464A9A-C4AF-4BD1-9CC8-6A4E352F3CB9}" srcOrd="0" destOrd="0" parTransId="{447FCAFB-2E51-4CFC-BD25-E5FD10FE8865}" sibTransId="{3DA83D52-ACAF-44E4-8816-5CA89DECAE00}"/>
     <dgm:cxn modelId="{F5340072-836F-47AF-913A-3086AC80886A}" type="presOf" srcId="{51F58511-EBFB-4F1B-9D61-F5B547581148}" destId="{5FB3F603-065E-4AD6-8202-AFAE7838ECFF}" srcOrd="0" destOrd="0" presId="urn:microsoft.com/office/officeart/2005/8/layout/process4"/>
@@ -4355,6 +4405,13 @@
         </dgm:presLayoutVars>
       </dgm:prSet>
       <dgm:spPr/>
+      <dgm:t>
+        <a:bodyPr/>
+        <a:lstStyle/>
+        <a:p>
+          <a:endParaRPr lang="fr-FR"/>
+        </a:p>
+      </dgm:t>
     </dgm:pt>
     <dgm:pt modelId="{25B66B81-AD75-42DF-A3ED-4499EC31EED9}" type="pres">
       <dgm:prSet presAssocID="{A5A24EA7-FC27-4E56-AF04-7776B2F3D78E}" presName="bullet4b" presStyleLbl="node1" presStyleIdx="1" presStyleCnt="4"/>
@@ -4367,6 +4424,13 @@
         </dgm:presLayoutVars>
       </dgm:prSet>
       <dgm:spPr/>
+      <dgm:t>
+        <a:bodyPr/>
+        <a:lstStyle/>
+        <a:p>
+          <a:endParaRPr lang="fr-FR"/>
+        </a:p>
+      </dgm:t>
     </dgm:pt>
     <dgm:pt modelId="{9676F490-B923-4C38-AFCB-C5033C51B27B}" type="pres">
       <dgm:prSet presAssocID="{16FB3C39-7F02-4C87-A9CD-0D7AA301FAC5}" presName="bullet4c" presStyleLbl="node1" presStyleIdx="2" presStyleCnt="4"/>
@@ -4379,6 +4443,13 @@
         </dgm:presLayoutVars>
       </dgm:prSet>
       <dgm:spPr/>
+      <dgm:t>
+        <a:bodyPr/>
+        <a:lstStyle/>
+        <a:p>
+          <a:endParaRPr lang="fr-FR"/>
+        </a:p>
+      </dgm:t>
     </dgm:pt>
     <dgm:pt modelId="{5F112F11-8AD3-4ED0-9EC3-8C81F65F6D98}" type="pres">
       <dgm:prSet presAssocID="{4EF1D6F4-DB48-40A4-81FC-44A38C5B3561}" presName="bullet4d" presStyleLbl="node1" presStyleIdx="3" presStyleCnt="4"/>
@@ -4391,6 +4462,13 @@
         </dgm:presLayoutVars>
       </dgm:prSet>
       <dgm:spPr/>
+      <dgm:t>
+        <a:bodyPr/>
+        <a:lstStyle/>
+        <a:p>
+          <a:endParaRPr lang="fr-FR"/>
+        </a:p>
+      </dgm:t>
     </dgm:pt>
   </dgm:ptLst>
   <dgm:cxnLst>
@@ -4892,6 +4970,14 @@
               <a:spcPct val="35000"/>
             </a:spcAft>
           </a:pPr>
+          <a:r>
+            <a:rPr lang="bg-BG" sz="2000" kern="1200" dirty="0" smtClean="0"/>
+            <a:t>peelTheStrokesOff</a:t>
+          </a:r>
+          <a:r>
+            <a:rPr lang="en-US" sz="2000" kern="1200" dirty="0" smtClean="0"/>
+            <a:t>()</a:t>
+          </a:r>
           <a:endParaRPr lang="fr-FR" sz="2000" kern="1200" dirty="0"/>
         </a:p>
       </dsp:txBody>
@@ -5404,7 +5490,7 @@
       <dsp:spPr>
         <a:xfrm>
           <a:off x="0" y="3956100"/>
-          <a:ext cx="6840759" cy="865730"/>
+          <a:ext cx="6840760" cy="865730"/>
         </a:xfrm>
         <a:prstGeom prst="rect">
           <a:avLst/>
@@ -5471,7 +5557,7 @@
       </dsp:txBody>
       <dsp:txXfrm>
         <a:off x="0" y="3956100"/>
-        <a:ext cx="6840759" cy="467494"/>
+        <a:ext cx="6840760" cy="467494"/>
       </dsp:txXfrm>
     </dsp:sp>
     <dsp:sp modelId="{A3AF3067-926B-426F-857A-710C3676853D}">
@@ -5560,7 +5646,7 @@
       </dsp:nvSpPr>
       <dsp:spPr>
         <a:xfrm>
-          <a:off x="3420379" y="4407344"/>
+          <a:off x="3420380" y="4407344"/>
           <a:ext cx="3420379" cy="398236"/>
         </a:xfrm>
         <a:prstGeom prst="rect">
@@ -5628,7 +5714,7 @@
         </a:p>
       </dsp:txBody>
       <dsp:txXfrm>
-        <a:off x="3420379" y="4407344"/>
+        <a:off x="3420380" y="4407344"/>
         <a:ext cx="3420379" cy="398236"/>
       </dsp:txXfrm>
     </dsp:sp>
@@ -5640,7 +5726,7 @@
       <dsp:spPr>
         <a:xfrm rot="10800000">
           <a:off x="0" y="2638656"/>
-          <a:ext cx="6840759" cy="1331494"/>
+          <a:ext cx="6840760" cy="1331494"/>
         </a:xfrm>
         <a:prstGeom prst="upArrowCallout">
           <a:avLst/>
@@ -5707,7 +5793,7 @@
       </dsp:txBody>
       <dsp:txXfrm>
         <a:off x="0" y="2638656"/>
-        <a:ext cx="6840759" cy="467354"/>
+        <a:ext cx="6840760" cy="467354"/>
       </dsp:txXfrm>
     </dsp:sp>
     <dsp:sp modelId="{BEC4E2C4-BA2C-42F0-9099-2B41220D76B4}">
@@ -5796,7 +5882,7 @@
       </dsp:nvSpPr>
       <dsp:spPr>
         <a:xfrm>
-          <a:off x="3420379" y="3106011"/>
+          <a:off x="3420380" y="3106011"/>
           <a:ext cx="3420379" cy="398116"/>
         </a:xfrm>
         <a:prstGeom prst="rect">
@@ -5860,7 +5946,7 @@
         </a:p>
       </dsp:txBody>
       <dsp:txXfrm>
-        <a:off x="3420379" y="3106011"/>
+        <a:off x="3420380" y="3106011"/>
         <a:ext cx="3420379" cy="398116"/>
       </dsp:txXfrm>
     </dsp:sp>
@@ -5872,7 +5958,7 @@
       <dsp:spPr>
         <a:xfrm rot="10800000">
           <a:off x="0" y="1320148"/>
-          <a:ext cx="6840759" cy="1331494"/>
+          <a:ext cx="6840760" cy="1331494"/>
         </a:xfrm>
         <a:prstGeom prst="upArrowCallout">
           <a:avLst/>
@@ -5939,7 +6025,7 @@
       </dsp:txBody>
       <dsp:txXfrm>
         <a:off x="0" y="1320148"/>
-        <a:ext cx="6840759" cy="467354"/>
+        <a:ext cx="6840760" cy="467354"/>
       </dsp:txXfrm>
     </dsp:sp>
     <dsp:sp modelId="{234F6FB0-E2C5-4B80-81F8-82075261D666}">
@@ -6028,7 +6114,7 @@
       </dsp:nvSpPr>
       <dsp:spPr>
         <a:xfrm>
-          <a:off x="3420379" y="1787502"/>
+          <a:off x="3420380" y="1787502"/>
           <a:ext cx="3420379" cy="398116"/>
         </a:xfrm>
         <a:prstGeom prst="rect">
@@ -6100,7 +6186,7 @@
         </a:p>
       </dsp:txBody>
       <dsp:txXfrm>
-        <a:off x="3420379" y="1787502"/>
+        <a:off x="3420380" y="1787502"/>
         <a:ext cx="3420379" cy="398116"/>
       </dsp:txXfrm>
     </dsp:sp>
@@ -6112,7 +6198,7 @@
       <dsp:spPr>
         <a:xfrm rot="10800000">
           <a:off x="0" y="0"/>
-          <a:ext cx="6840759" cy="1331494"/>
+          <a:ext cx="6840760" cy="1331494"/>
         </a:xfrm>
         <a:prstGeom prst="upArrowCallout">
           <a:avLst/>
@@ -6178,7 +6264,7 @@
       </dsp:txBody>
       <dsp:txXfrm>
         <a:off x="0" y="0"/>
-        <a:ext cx="6840759" cy="467354"/>
+        <a:ext cx="6840760" cy="467354"/>
       </dsp:txXfrm>
     </dsp:sp>
     <dsp:sp modelId="{7A66DF5C-7D94-4173-8882-6C3C4176DFD1}">
@@ -6271,7 +6357,7 @@
       </dsp:nvSpPr>
       <dsp:spPr>
         <a:xfrm>
-          <a:off x="3420379" y="468994"/>
+          <a:off x="3420380" y="468994"/>
           <a:ext cx="3420379" cy="398116"/>
         </a:xfrm>
         <a:prstGeom prst="rect">
@@ -6343,7 +6429,7 @@
         </a:p>
       </dsp:txBody>
       <dsp:txXfrm>
-        <a:off x="3420379" y="468994"/>
+        <a:off x="3420380" y="468994"/>
         <a:ext cx="3420379" cy="398116"/>
       </dsp:txXfrm>
     </dsp:sp>
@@ -12476,7 +12562,8 @@
           <a:p>
             <a:fld id="{606A442E-F262-4169-B2FD-5F716FD8D6B1}" type="datetimeFigureOut">
               <a:rPr lang="fr-FR" smtClean="0"/>
-              <a:t>25/03/2012</a:t>
+              <a:pPr/>
+              <a:t>01/04/2012</a:t>
             </a:fld>
             <a:endParaRPr lang="fr-FR"/>
           </a:p>
@@ -12518,6 +12605,7 @@
           <a:p>
             <a:fld id="{3D609EB6-F261-4EAF-8D86-A5F1A8D794AE}" type="slidenum">
               <a:rPr lang="fr-FR" smtClean="0"/>
+              <a:pPr/>
               <a:t>‹#›</a:t>
             </a:fld>
             <a:endParaRPr lang="fr-FR"/>
@@ -12641,7 +12729,8 @@
           <a:p>
             <a:fld id="{606A442E-F262-4169-B2FD-5F716FD8D6B1}" type="datetimeFigureOut">
               <a:rPr lang="fr-FR" smtClean="0"/>
-              <a:t>25/03/2012</a:t>
+              <a:pPr/>
+              <a:t>01/04/2012</a:t>
             </a:fld>
             <a:endParaRPr lang="fr-FR"/>
           </a:p>
@@ -12683,6 +12772,7 @@
           <a:p>
             <a:fld id="{3D609EB6-F261-4EAF-8D86-A5F1A8D794AE}" type="slidenum">
               <a:rPr lang="fr-FR" smtClean="0"/>
+              <a:pPr/>
               <a:t>‹#›</a:t>
             </a:fld>
             <a:endParaRPr lang="fr-FR"/>
@@ -12816,7 +12906,8 @@
           <a:p>
             <a:fld id="{606A442E-F262-4169-B2FD-5F716FD8D6B1}" type="datetimeFigureOut">
               <a:rPr lang="fr-FR" smtClean="0"/>
-              <a:t>25/03/2012</a:t>
+              <a:pPr/>
+              <a:t>01/04/2012</a:t>
             </a:fld>
             <a:endParaRPr lang="fr-FR"/>
           </a:p>
@@ -12858,6 +12949,7 @@
           <a:p>
             <a:fld id="{3D609EB6-F261-4EAF-8D86-A5F1A8D794AE}" type="slidenum">
               <a:rPr lang="fr-FR" smtClean="0"/>
+              <a:pPr/>
               <a:t>‹#›</a:t>
             </a:fld>
             <a:endParaRPr lang="fr-FR"/>
@@ -12981,7 +13073,8 @@
           <a:p>
             <a:fld id="{606A442E-F262-4169-B2FD-5F716FD8D6B1}" type="datetimeFigureOut">
               <a:rPr lang="fr-FR" smtClean="0"/>
-              <a:t>25/03/2012</a:t>
+              <a:pPr/>
+              <a:t>01/04/2012</a:t>
             </a:fld>
             <a:endParaRPr lang="fr-FR"/>
           </a:p>
@@ -13023,6 +13116,7 @@
           <a:p>
             <a:fld id="{3D609EB6-F261-4EAF-8D86-A5F1A8D794AE}" type="slidenum">
               <a:rPr lang="fr-FR" smtClean="0"/>
+              <a:pPr/>
               <a:t>‹#›</a:t>
             </a:fld>
             <a:endParaRPr lang="fr-FR"/>
@@ -13222,7 +13316,8 @@
           <a:p>
             <a:fld id="{606A442E-F262-4169-B2FD-5F716FD8D6B1}" type="datetimeFigureOut">
               <a:rPr lang="fr-FR" smtClean="0"/>
-              <a:t>25/03/2012</a:t>
+              <a:pPr/>
+              <a:t>01/04/2012</a:t>
             </a:fld>
             <a:endParaRPr lang="fr-FR"/>
           </a:p>
@@ -13264,6 +13359,7 @@
           <a:p>
             <a:fld id="{3D609EB6-F261-4EAF-8D86-A5F1A8D794AE}" type="slidenum">
               <a:rPr lang="fr-FR" smtClean="0"/>
+              <a:pPr/>
               <a:t>‹#›</a:t>
             </a:fld>
             <a:endParaRPr lang="fr-FR"/>
@@ -13505,7 +13601,8 @@
           <a:p>
             <a:fld id="{606A442E-F262-4169-B2FD-5F716FD8D6B1}" type="datetimeFigureOut">
               <a:rPr lang="fr-FR" smtClean="0"/>
-              <a:t>25/03/2012</a:t>
+              <a:pPr/>
+              <a:t>01/04/2012</a:t>
             </a:fld>
             <a:endParaRPr lang="fr-FR"/>
           </a:p>
@@ -13547,6 +13644,7 @@
           <a:p>
             <a:fld id="{3D609EB6-F261-4EAF-8D86-A5F1A8D794AE}" type="slidenum">
               <a:rPr lang="fr-FR" smtClean="0"/>
+              <a:pPr/>
               <a:t>‹#›</a:t>
             </a:fld>
             <a:endParaRPr lang="fr-FR"/>
@@ -13922,7 +14020,8 @@
           <a:p>
             <a:fld id="{606A442E-F262-4169-B2FD-5F716FD8D6B1}" type="datetimeFigureOut">
               <a:rPr lang="fr-FR" smtClean="0"/>
-              <a:t>25/03/2012</a:t>
+              <a:pPr/>
+              <a:t>01/04/2012</a:t>
             </a:fld>
             <a:endParaRPr lang="fr-FR"/>
           </a:p>
@@ -13964,6 +14063,7 @@
           <a:p>
             <a:fld id="{3D609EB6-F261-4EAF-8D86-A5F1A8D794AE}" type="slidenum">
               <a:rPr lang="fr-FR" smtClean="0"/>
+              <a:pPr/>
               <a:t>‹#›</a:t>
             </a:fld>
             <a:endParaRPr lang="fr-FR"/>
@@ -14035,7 +14135,8 @@
           <a:p>
             <a:fld id="{606A442E-F262-4169-B2FD-5F716FD8D6B1}" type="datetimeFigureOut">
               <a:rPr lang="fr-FR" smtClean="0"/>
-              <a:t>25/03/2012</a:t>
+              <a:pPr/>
+              <a:t>01/04/2012</a:t>
             </a:fld>
             <a:endParaRPr lang="fr-FR"/>
           </a:p>
@@ -14077,6 +14178,7 @@
           <a:p>
             <a:fld id="{3D609EB6-F261-4EAF-8D86-A5F1A8D794AE}" type="slidenum">
               <a:rPr lang="fr-FR" smtClean="0"/>
+              <a:pPr/>
               <a:t>‹#›</a:t>
             </a:fld>
             <a:endParaRPr lang="fr-FR"/>
@@ -14125,7 +14227,8 @@
           <a:p>
             <a:fld id="{606A442E-F262-4169-B2FD-5F716FD8D6B1}" type="datetimeFigureOut">
               <a:rPr lang="fr-FR" smtClean="0"/>
-              <a:t>25/03/2012</a:t>
+              <a:pPr/>
+              <a:t>01/04/2012</a:t>
             </a:fld>
             <a:endParaRPr lang="fr-FR"/>
           </a:p>
@@ -14167,6 +14270,7 @@
           <a:p>
             <a:fld id="{3D609EB6-F261-4EAF-8D86-A5F1A8D794AE}" type="slidenum">
               <a:rPr lang="fr-FR" smtClean="0"/>
+              <a:pPr/>
               <a:t>‹#›</a:t>
             </a:fld>
             <a:endParaRPr lang="fr-FR"/>
@@ -14397,7 +14501,8 @@
           <a:p>
             <a:fld id="{606A442E-F262-4169-B2FD-5F716FD8D6B1}" type="datetimeFigureOut">
               <a:rPr lang="fr-FR" smtClean="0"/>
-              <a:t>25/03/2012</a:t>
+              <a:pPr/>
+              <a:t>01/04/2012</a:t>
             </a:fld>
             <a:endParaRPr lang="fr-FR"/>
           </a:p>
@@ -14439,6 +14544,7 @@
           <a:p>
             <a:fld id="{3D609EB6-F261-4EAF-8D86-A5F1A8D794AE}" type="slidenum">
               <a:rPr lang="fr-FR" smtClean="0"/>
+              <a:pPr/>
               <a:t>‹#›</a:t>
             </a:fld>
             <a:endParaRPr lang="fr-FR"/>
@@ -14645,7 +14751,8 @@
           <a:p>
             <a:fld id="{606A442E-F262-4169-B2FD-5F716FD8D6B1}" type="datetimeFigureOut">
               <a:rPr lang="fr-FR" smtClean="0"/>
-              <a:t>25/03/2012</a:t>
+              <a:pPr/>
+              <a:t>01/04/2012</a:t>
             </a:fld>
             <a:endParaRPr lang="fr-FR"/>
           </a:p>
@@ -14687,6 +14794,7 @@
           <a:p>
             <a:fld id="{3D609EB6-F261-4EAF-8D86-A5F1A8D794AE}" type="slidenum">
               <a:rPr lang="fr-FR" smtClean="0"/>
+              <a:pPr/>
               <a:t>‹#›</a:t>
             </a:fld>
             <a:endParaRPr lang="fr-FR"/>
@@ -14853,7 +14961,8 @@
           <a:p>
             <a:fld id="{606A442E-F262-4169-B2FD-5F716FD8D6B1}" type="datetimeFigureOut">
               <a:rPr lang="fr-FR" smtClean="0"/>
-              <a:t>25/03/2012</a:t>
+              <a:pPr/>
+              <a:t>01/04/2012</a:t>
             </a:fld>
             <a:endParaRPr lang="fr-FR"/>
           </a:p>
@@ -14931,6 +15040,7 @@
           <a:p>
             <a:fld id="{3D609EB6-F261-4EAF-8D86-A5F1A8D794AE}" type="slidenum">
               <a:rPr lang="fr-FR" smtClean="0"/>
+              <a:pPr/>
               <a:t>‹#›</a:t>
             </a:fld>
             <a:endParaRPr lang="fr-FR"/>
